--- a/Praesentation/FMSynthese-Vorlage.pptx
+++ b/Praesentation/FMSynthese-Vorlage.pptx
@@ -8,7 +8,7 @@
     <p:notesMasterId r:id="rId3"/>
   </p:notesMasterIdLst>
   <p:sldIdLst>
-    <p:sldId id="256" r:id="rId2"/>
+    <p:sldId id="258" r:id="rId2"/>
   </p:sldIdLst>
   <p:sldSz cx="9144000" cy="5143500" type="screen16x9"/>
   <p:notesSz cx="6858000" cy="9144000"/>
@@ -193,7 +193,7 @@
             <a:fld id="{364A5697-ABCF-455C-8519-931EFDD64AAA}" type="datetimeFigureOut">
               <a:rPr lang="de-DE" smtClean="0"/>
               <a:pPr/>
-              <a:t>10.06.2015</a:t>
+              <a:t>11.06.2015</a:t>
             </a:fld>
             <a:endParaRPr lang="de-DE"/>
           </a:p>
@@ -641,7 +641,7 @@
             <a:fld id="{D1973D6C-51AD-4508-B508-FD358C94A360}" type="datetime1">
               <a:rPr lang="de-DE" smtClean="0"/>
               <a:pPr/>
-              <a:t>10.06.2015</a:t>
+              <a:t>11.06.2015</a:t>
             </a:fld>
             <a:endParaRPr lang="de-DE"/>
           </a:p>
@@ -812,7 +812,7 @@
             <a:fld id="{16CA1741-E8C7-4D32-930D-2CBEC658BBE9}" type="datetime1">
               <a:rPr lang="de-DE" smtClean="0"/>
               <a:pPr/>
-              <a:t>10.06.2015</a:t>
+              <a:t>11.06.2015</a:t>
             </a:fld>
             <a:endParaRPr lang="de-DE"/>
           </a:p>
@@ -993,7 +993,7 @@
             <a:fld id="{BA20089B-28E9-4E3D-8F82-6328AE8CACA6}" type="datetime1">
               <a:rPr lang="de-DE" smtClean="0"/>
               <a:pPr/>
-              <a:t>10.06.2015</a:t>
+              <a:t>11.06.2015</a:t>
             </a:fld>
             <a:endParaRPr lang="de-DE"/>
           </a:p>
@@ -1164,7 +1164,7 @@
             <a:fld id="{1C72BD4E-61B2-40A3-A75C-5FDEDE8E5EC5}" type="datetime1">
               <a:rPr lang="de-DE" smtClean="0"/>
               <a:pPr/>
-              <a:t>10.06.2015</a:t>
+              <a:t>11.06.2015</a:t>
             </a:fld>
             <a:endParaRPr lang="de-DE"/>
           </a:p>
@@ -1411,7 +1411,7 @@
             <a:fld id="{48E855D6-EEBE-45BF-8BB5-776601FA5085}" type="datetime1">
               <a:rPr lang="de-DE" smtClean="0"/>
               <a:pPr/>
-              <a:t>10.06.2015</a:t>
+              <a:t>11.06.2015</a:t>
             </a:fld>
             <a:endParaRPr lang="de-DE"/>
           </a:p>
@@ -1700,7 +1700,7 @@
             <a:fld id="{EF380378-A65B-4494-A5A7-886B50CB4937}" type="datetime1">
               <a:rPr lang="de-DE" smtClean="0"/>
               <a:pPr/>
-              <a:t>10.06.2015</a:t>
+              <a:t>11.06.2015</a:t>
             </a:fld>
             <a:endParaRPr lang="de-DE"/>
           </a:p>
@@ -2123,7 +2123,7 @@
             <a:fld id="{BF9B2ACF-C63C-45AF-B5D6-56753CCBEEC7}" type="datetime1">
               <a:rPr lang="de-DE" smtClean="0"/>
               <a:pPr/>
-              <a:t>10.06.2015</a:t>
+              <a:t>11.06.2015</a:t>
             </a:fld>
             <a:endParaRPr lang="de-DE"/>
           </a:p>
@@ -2242,7 +2242,7 @@
             <a:fld id="{782C60A8-75F3-45EE-8F68-824804B9A36B}" type="datetime1">
               <a:rPr lang="de-DE" smtClean="0"/>
               <a:pPr/>
-              <a:t>10.06.2015</a:t>
+              <a:t>11.06.2015</a:t>
             </a:fld>
             <a:endParaRPr lang="de-DE"/>
           </a:p>
@@ -2338,7 +2338,7 @@
             <a:fld id="{AC76AE4E-B847-44C0-9E80-FADAC514238D}" type="datetime1">
               <a:rPr lang="de-DE" smtClean="0"/>
               <a:pPr/>
-              <a:t>10.06.2015</a:t>
+              <a:t>11.06.2015</a:t>
             </a:fld>
             <a:endParaRPr lang="de-DE"/>
           </a:p>
@@ -2616,7 +2616,7 @@
             <a:fld id="{93EB1BC4-DA1F-4C44-8E36-1B9FD72AD58E}" type="datetime1">
               <a:rPr lang="de-DE" smtClean="0"/>
               <a:pPr/>
-              <a:t>10.06.2015</a:t>
+              <a:t>11.06.2015</a:t>
             </a:fld>
             <a:endParaRPr lang="de-DE"/>
           </a:p>
@@ -2870,7 +2870,7 @@
             <a:fld id="{E23DD280-69E3-4A3C-8762-77BE68C0FDBF}" type="datetime1">
               <a:rPr lang="de-DE" smtClean="0"/>
               <a:pPr/>
-              <a:t>10.06.2015</a:t>
+              <a:t>11.06.2015</a:t>
             </a:fld>
             <a:endParaRPr lang="de-DE"/>
           </a:p>
@@ -3084,7 +3084,7 @@
             <a:fld id="{A1830189-BAB1-4688-8766-4D2AC2DF7C33}" type="datetime1">
               <a:rPr lang="de-DE" smtClean="0"/>
               <a:pPr/>
-              <a:t>10.06.2015</a:t>
+              <a:t>11.06.2015</a:t>
             </a:fld>
             <a:endParaRPr lang="de-DE" dirty="0"/>
           </a:p>
@@ -3497,38 +3497,105 @@
             <a:spLocks noGrp="1"/>
           </p:cNvSpPr>
           <p:nvPr>
-            <p:ph type="ctrTitle"/>
-          </p:nvPr>
-        </p:nvSpPr>
-        <p:spPr/>
-        <p:txBody>
-          <a:bodyPr>
-            <a:normAutofit/>
-          </a:bodyPr>
-          <a:lstStyle/>
-          <a:p>
-            <a:endParaRPr lang="de-DE" sz="3600" dirty="0"/>
-          </a:p>
-        </p:txBody>
-      </p:sp>
-      <p:sp>
-        <p:nvSpPr>
-          <p:cNvPr id="3" name="Untertitel 2"/>
-          <p:cNvSpPr>
-            <a:spLocks noGrp="1"/>
-          </p:cNvSpPr>
-          <p:nvPr>
-            <p:ph type="subTitle" idx="1"/>
-          </p:nvPr>
-        </p:nvSpPr>
-        <p:spPr/>
-        <p:txBody>
-          <a:bodyPr>
-            <a:normAutofit/>
-          </a:bodyPr>
-          <a:lstStyle/>
-          <a:p>
-            <a:endParaRPr lang="de-DE" sz="2800" dirty="0"/>
+            <p:ph type="title"/>
+          </p:nvPr>
+        </p:nvSpPr>
+        <p:spPr/>
+        <p:txBody>
+          <a:bodyPr/>
+          <a:lstStyle/>
+          <a:p>
+            <a:endParaRPr lang="de-DE"/>
+          </a:p>
+        </p:txBody>
+      </p:sp>
+      <p:sp>
+        <p:nvSpPr>
+          <p:cNvPr id="3" name="Inhaltsplatzhalter 2"/>
+          <p:cNvSpPr>
+            <a:spLocks noGrp="1"/>
+          </p:cNvSpPr>
+          <p:nvPr>
+            <p:ph idx="1"/>
+          </p:nvPr>
+        </p:nvSpPr>
+        <p:spPr/>
+        <p:txBody>
+          <a:bodyPr/>
+          <a:lstStyle/>
+          <a:p>
+            <a:endParaRPr lang="de-DE"/>
+          </a:p>
+        </p:txBody>
+      </p:sp>
+      <p:sp>
+        <p:nvSpPr>
+          <p:cNvPr id="4" name="Datumsplatzhalter 3"/>
+          <p:cNvSpPr>
+            <a:spLocks noGrp="1"/>
+          </p:cNvSpPr>
+          <p:nvPr>
+            <p:ph type="dt" sz="half" idx="10"/>
+          </p:nvPr>
+        </p:nvSpPr>
+        <p:spPr/>
+        <p:txBody>
+          <a:bodyPr/>
+          <a:lstStyle/>
+          <a:p>
+            <a:fld id="{1C72BD4E-61B2-40A3-A75C-5FDEDE8E5EC5}" type="datetime1">
+              <a:rPr lang="de-DE" smtClean="0"/>
+              <a:pPr/>
+              <a:t>11.06.2015</a:t>
+            </a:fld>
+            <a:endParaRPr lang="de-DE"/>
+          </a:p>
+        </p:txBody>
+      </p:sp>
+      <p:sp>
+        <p:nvSpPr>
+          <p:cNvPr id="5" name="Fußzeilenplatzhalter 4"/>
+          <p:cNvSpPr>
+            <a:spLocks noGrp="1"/>
+          </p:cNvSpPr>
+          <p:nvPr>
+            <p:ph type="ftr" sz="quarter" idx="11"/>
+          </p:nvPr>
+        </p:nvSpPr>
+        <p:spPr/>
+        <p:txBody>
+          <a:bodyPr/>
+          <a:lstStyle/>
+          <a:p>
+            <a:r>
+              <a:rPr lang="de-DE" smtClean="0"/>
+              <a:t>FM-Synthese</a:t>
+            </a:r>
+            <a:endParaRPr lang="de-DE"/>
+          </a:p>
+        </p:txBody>
+      </p:sp>
+      <p:sp>
+        <p:nvSpPr>
+          <p:cNvPr id="6" name="Foliennummernplatzhalter 5"/>
+          <p:cNvSpPr>
+            <a:spLocks noGrp="1"/>
+          </p:cNvSpPr>
+          <p:nvPr>
+            <p:ph type="sldNum" sz="quarter" idx="12"/>
+          </p:nvPr>
+        </p:nvSpPr>
+        <p:spPr/>
+        <p:txBody>
+          <a:bodyPr/>
+          <a:lstStyle/>
+          <a:p>
+            <a:fld id="{6C6AE60A-B69C-4790-82F7-3882EDF23186}" type="slidenum">
+              <a:rPr lang="de-DE" smtClean="0"/>
+              <a:pPr/>
+              <a:t>1</a:t>
+            </a:fld>
+            <a:endParaRPr lang="de-DE" dirty="0"/>
           </a:p>
         </p:txBody>
       </p:sp>

--- a/Praesentation/FMSynthese-Vorlage.pptx
+++ b/Praesentation/FMSynthese-Vorlage.pptx
@@ -5,10 +5,11 @@
     <p:sldMasterId id="2147483648" r:id="rId1"/>
   </p:sldMasterIdLst>
   <p:notesMasterIdLst>
-    <p:notesMasterId r:id="rId3"/>
+    <p:notesMasterId r:id="rId4"/>
   </p:notesMasterIdLst>
   <p:sldIdLst>
-    <p:sldId id="258" r:id="rId2"/>
+    <p:sldId id="259" r:id="rId2"/>
+    <p:sldId id="258" r:id="rId3"/>
   </p:sldIdLst>
   <p:sldSz cx="9144000" cy="5143500" type="screen16x9"/>
   <p:notesSz cx="6858000" cy="9144000"/>
@@ -107,6 +108,36 @@
       </a:defRPr>
     </a:lvl9pPr>
   </p:defaultTextStyle>
+  <p:extLst>
+    <p:ext uri="{EFAFB233-063F-42B5-8137-9DF3F51BA10A}">
+      <p15:sldGuideLst xmlns:p15="http://schemas.microsoft.com/office/powerpoint/2012/main">
+        <p15:guide id="1" orient="horz" pos="1620">
+          <p15:clr>
+            <a:srgbClr val="A4A3A4"/>
+          </p15:clr>
+        </p15:guide>
+        <p15:guide id="2" pos="2880">
+          <p15:clr>
+            <a:srgbClr val="A4A3A4"/>
+          </p15:clr>
+        </p15:guide>
+      </p15:sldGuideLst>
+    </p:ext>
+    <p:ext uri="{2D200454-40CA-4A62-9FC3-DE9A4176ACB9}">
+      <p15:notesGuideLst xmlns:p15="http://schemas.microsoft.com/office/powerpoint/2012/main">
+        <p15:guide id="1" orient="horz" pos="2880">
+          <p15:clr>
+            <a:srgbClr val="A4A3A4"/>
+          </p15:clr>
+        </p15:guide>
+        <p15:guide id="2" pos="2160">
+          <p15:clr>
+            <a:srgbClr val="A4A3A4"/>
+          </p15:clr>
+        </p15:guide>
+      </p15:notesGuideLst>
+    </p:ext>
+  </p:extLst>
 </p:presentation>
 </file>
 
@@ -193,7 +224,7 @@
             <a:fld id="{364A5697-ABCF-455C-8519-931EFDD64AAA}" type="datetimeFigureOut">
               <a:rPr lang="de-DE" smtClean="0"/>
               <a:pPr/>
-              <a:t>11.06.2015</a:t>
+              <a:t>17.06.2015</a:t>
             </a:fld>
             <a:endParaRPr lang="de-DE"/>
           </a:p>
@@ -362,6 +393,11 @@
         </p:txBody>
       </p:sp>
     </p:spTree>
+    <p:extLst>
+      <p:ext uri="{BB962C8B-B14F-4D97-AF65-F5344CB8AC3E}">
+        <p14:creationId xmlns:p14="http://schemas.microsoft.com/office/powerpoint/2010/main" val="3455555729"/>
+      </p:ext>
+    </p:extLst>
   </p:cSld>
   <p:clrMap bg1="lt1" tx1="dk1" bg2="lt2" tx2="dk2" accent1="accent1" accent2="accent2" accent3="accent3" accent4="accent4" accent5="accent5" accent6="accent6" hlink="hlink" folHlink="folHlink"/>
   <p:notesStyle>
@@ -460,7 +496,7 @@
 </file>
 
 <file path=ppt/slideLayouts/slideLayout1.xml><?xml version="1.0" encoding="utf-8"?>
-<p:sldLayout xmlns:a="http://schemas.openxmlformats.org/drawingml/2006/main" xmlns:r="http://schemas.openxmlformats.org/officeDocument/2006/relationships" xmlns:p="http://schemas.openxmlformats.org/presentationml/2006/main" type="title" preserve="1">
+<p:sldLayout xmlns:a="http://schemas.openxmlformats.org/drawingml/2006/main" xmlns:r="http://schemas.openxmlformats.org/officeDocument/2006/relationships" xmlns:p="http://schemas.openxmlformats.org/presentationml/2006/main" preserve="1" userDrawn="1">
   <p:cSld name="Titelfolie">
     <p:spTree>
       <p:nvGrpSpPr>
@@ -476,34 +512,39 @@
           <a:chExt cx="0" cy="0"/>
         </a:xfrm>
       </p:grpSpPr>
-      <p:sp>
-        <p:nvSpPr>
-          <p:cNvPr id="2" name="Titel 1"/>
-          <p:cNvSpPr>
-            <a:spLocks noGrp="1"/>
-          </p:cNvSpPr>
-          <p:nvPr>
-            <p:ph type="ctrTitle"/>
-          </p:nvPr>
-        </p:nvSpPr>
+      <p:pic>
+        <p:nvPicPr>
+          <p:cNvPr id="13" name="Grafik 12"/>
+          <p:cNvPicPr>
+            <a:picLocks noChangeAspect="1"/>
+          </p:cNvPicPr>
+          <p:nvPr userDrawn="1"/>
+        </p:nvPicPr>
+        <p:blipFill>
+          <a:blip r:embed="rId2" cstate="print">
+            <a:extLst>
+              <a:ext uri="{28A0092B-C50C-407E-A947-70E740481C1C}">
+                <a14:useLocalDpi xmlns:a14="http://schemas.microsoft.com/office/drawing/2010/main" val="0"/>
+              </a:ext>
+            </a:extLst>
+          </a:blip>
+          <a:stretch>
+            <a:fillRect/>
+          </a:stretch>
+        </p:blipFill>
         <p:spPr>
           <a:xfrm>
-            <a:off x="685800" y="1597819"/>
-            <a:ext cx="7772400" cy="1102519"/>
+            <a:off x="0" y="4155926"/>
+            <a:ext cx="13861032" cy="918071"/>
           </a:xfrm>
+          <a:prstGeom prst="rect">
+            <a:avLst/>
+          </a:prstGeom>
+          <a:solidFill>
+            <a:schemeClr val="bg1"/>
+          </a:solidFill>
         </p:spPr>
-        <p:txBody>
-          <a:bodyPr/>
-          <a:lstStyle/>
-          <a:p>
-            <a:r>
-              <a:rPr lang="de-DE" dirty="0" smtClean="0"/>
-              <a:t>Titelmasterformat durch Klicken bearbeiten</a:t>
-            </a:r>
-            <a:endParaRPr lang="de-DE" dirty="0"/>
-          </a:p>
-        </p:txBody>
-      </p:sp>
+      </p:pic>
       <p:sp>
         <p:nvSpPr>
           <p:cNvPr id="3" name="Untertitel 2"/>
@@ -616,81 +657,38 @@
           </a:lstStyle>
           <a:p>
             <a:r>
-              <a:rPr lang="de-DE" smtClean="0"/>
+              <a:rPr lang="de-DE" dirty="0" smtClean="0"/>
               <a:t>Formatvorlage des Untertitelmasters durch Klicken bearbeiten</a:t>
             </a:r>
-            <a:endParaRPr lang="de-DE"/>
-          </a:p>
-        </p:txBody>
-      </p:sp>
-      <p:sp>
-        <p:nvSpPr>
-          <p:cNvPr id="7" name="Datumsplatzhalter 6"/>
-          <p:cNvSpPr>
-            <a:spLocks noGrp="1"/>
-          </p:cNvSpPr>
-          <p:nvPr>
-            <p:ph type="dt" sz="half" idx="10"/>
-          </p:nvPr>
-        </p:nvSpPr>
-        <p:spPr/>
-        <p:txBody>
-          <a:bodyPr/>
-          <a:lstStyle/>
-          <a:p>
-            <a:fld id="{D1973D6C-51AD-4508-B508-FD358C94A360}" type="datetime1">
-              <a:rPr lang="de-DE" smtClean="0"/>
-              <a:pPr/>
-              <a:t>11.06.2015</a:t>
-            </a:fld>
-            <a:endParaRPr lang="de-DE"/>
-          </a:p>
-        </p:txBody>
-      </p:sp>
-      <p:sp>
-        <p:nvSpPr>
-          <p:cNvPr id="8" name="Foliennummernplatzhalter 7"/>
-          <p:cNvSpPr>
-            <a:spLocks noGrp="1"/>
-          </p:cNvSpPr>
-          <p:nvPr>
-            <p:ph type="sldNum" sz="quarter" idx="11"/>
-          </p:nvPr>
-        </p:nvSpPr>
-        <p:spPr/>
-        <p:txBody>
-          <a:bodyPr/>
-          <a:lstStyle/>
-          <a:p>
-            <a:fld id="{6C6AE60A-B69C-4790-82F7-3882EDF23186}" type="slidenum">
-              <a:rPr lang="de-DE" smtClean="0"/>
-              <a:pPr/>
-              <a:t>‹Nr.›</a:t>
-            </a:fld>
-            <a:endParaRPr lang="de-DE"/>
-          </a:p>
-        </p:txBody>
-      </p:sp>
-      <p:sp>
-        <p:nvSpPr>
-          <p:cNvPr id="9" name="Fußzeilenplatzhalter 8"/>
-          <p:cNvSpPr>
-            <a:spLocks noGrp="1"/>
-          </p:cNvSpPr>
-          <p:nvPr>
-            <p:ph type="ftr" sz="quarter" idx="12"/>
-          </p:nvPr>
-        </p:nvSpPr>
-        <p:spPr/>
-        <p:txBody>
-          <a:bodyPr/>
-          <a:lstStyle/>
-          <a:p>
-            <a:r>
-              <a:rPr lang="de-DE" smtClean="0"/>
-              <a:t>FM-Synthese</a:t>
-            </a:r>
-            <a:endParaRPr lang="de-DE"/>
+            <a:endParaRPr lang="de-DE" dirty="0"/>
+          </a:p>
+        </p:txBody>
+      </p:sp>
+      <p:sp>
+        <p:nvSpPr>
+          <p:cNvPr id="11" name="Titel 10"/>
+          <p:cNvSpPr>
+            <a:spLocks noGrp="1"/>
+          </p:cNvSpPr>
+          <p:nvPr>
+            <p:ph type="title"/>
+          </p:nvPr>
+        </p:nvSpPr>
+        <p:spPr>
+          <a:xfrm>
+            <a:off x="457200" y="1779662"/>
+            <a:ext cx="8229600" cy="857250"/>
+          </a:xfrm>
+        </p:spPr>
+        <p:txBody>
+          <a:bodyPr/>
+          <a:lstStyle/>
+          <a:p>
+            <a:r>
+              <a:rPr lang="de-DE" dirty="0" smtClean="0"/>
+              <a:t>Titelmasterformat durch Klicken bearbeiten</a:t>
+            </a:r>
+            <a:endParaRPr lang="en-US" dirty="0"/>
           </a:p>
         </p:txBody>
       </p:sp>
@@ -699,6 +697,13 @@
   <p:clrMapOvr>
     <a:masterClrMapping/>
   </p:clrMapOvr>
+  <p:timing>
+    <p:tnLst>
+      <p:par>
+        <p:cTn id="1" dur="indefinite" restart="never" nodeType="tmRoot"/>
+      </p:par>
+    </p:tnLst>
+  </p:timing>
 </p:sldLayout>
 </file>
 
@@ -809,10 +814,9 @@
           <a:bodyPr/>
           <a:lstStyle/>
           <a:p>
-            <a:fld id="{16CA1741-E8C7-4D32-930D-2CBEC658BBE9}" type="datetime1">
-              <a:rPr lang="de-DE" smtClean="0"/>
-              <a:pPr/>
-              <a:t>11.06.2015</a:t>
+            <a:fld id="{118C39E7-DE90-41C1-AA3B-F993836B02BE}" type="datetime1">
+              <a:rPr lang="de-DE" smtClean="0"/>
+              <a:t>17.06.2015</a:t>
             </a:fld>
             <a:endParaRPr lang="de-DE"/>
           </a:p>
@@ -990,10 +994,9 @@
           <a:bodyPr/>
           <a:lstStyle/>
           <a:p>
-            <a:fld id="{BA20089B-28E9-4E3D-8F82-6328AE8CACA6}" type="datetime1">
-              <a:rPr lang="de-DE" smtClean="0"/>
-              <a:pPr/>
-              <a:t>11.06.2015</a:t>
+            <a:fld id="{B1B93457-8CBC-4CBC-AFA6-88355C5DAFDC}" type="datetime1">
+              <a:rPr lang="de-DE" smtClean="0"/>
+              <a:t>17.06.2015</a:t>
             </a:fld>
             <a:endParaRPr lang="de-DE"/>
           </a:p>
@@ -1083,14 +1086,22 @@
         </p:nvSpPr>
         <p:spPr/>
         <p:txBody>
-          <a:bodyPr/>
-          <a:lstStyle/>
-          <a:p>
-            <a:r>
-              <a:rPr lang="de-DE" smtClean="0"/>
+          <a:bodyPr>
+            <a:noAutofit/>
+          </a:bodyPr>
+          <a:lstStyle>
+            <a:lvl1pPr>
+              <a:defRPr sz="3600">
+                <a:latin typeface="Lato" panose="020F0502020204030203" pitchFamily="34" charset="0"/>
+              </a:defRPr>
+            </a:lvl1pPr>
+          </a:lstStyle>
+          <a:p>
+            <a:r>
+              <a:rPr lang="de-DE" dirty="0" smtClean="0"/>
               <a:t>Titelmasterformat durch Klicken bearbeiten</a:t>
             </a:r>
-            <a:endParaRPr lang="de-DE"/>
+            <a:endParaRPr lang="de-DE" dirty="0"/>
           </a:p>
         </p:txBody>
       </p:sp>
@@ -1111,44 +1122,44 @@
           <a:p>
             <a:pPr lvl="0"/>
             <a:r>
-              <a:rPr lang="de-DE" smtClean="0"/>
+              <a:rPr lang="de-DE" dirty="0" smtClean="0"/>
               <a:t>Textmasterformate durch Klicken bearbeiten</a:t>
             </a:r>
           </a:p>
           <a:p>
             <a:pPr lvl="1"/>
             <a:r>
-              <a:rPr lang="de-DE" smtClean="0"/>
+              <a:rPr lang="de-DE" dirty="0" smtClean="0"/>
               <a:t>Zweite Ebene</a:t>
             </a:r>
           </a:p>
           <a:p>
             <a:pPr lvl="2"/>
             <a:r>
-              <a:rPr lang="de-DE" smtClean="0"/>
+              <a:rPr lang="de-DE" dirty="0" smtClean="0"/>
               <a:t>Dritte Ebene</a:t>
             </a:r>
           </a:p>
           <a:p>
             <a:pPr lvl="3"/>
             <a:r>
-              <a:rPr lang="de-DE" smtClean="0"/>
+              <a:rPr lang="de-DE" dirty="0" smtClean="0"/>
               <a:t>Vierte Ebene</a:t>
             </a:r>
           </a:p>
           <a:p>
             <a:pPr lvl="4"/>
             <a:r>
-              <a:rPr lang="de-DE" smtClean="0"/>
+              <a:rPr lang="de-DE" dirty="0" smtClean="0"/>
               <a:t>Fünfte Ebene</a:t>
             </a:r>
-            <a:endParaRPr lang="de-DE"/>
-          </a:p>
-        </p:txBody>
-      </p:sp>
-      <p:sp>
-        <p:nvSpPr>
-          <p:cNvPr id="4" name="Datumsplatzhalter 3"/>
+            <a:endParaRPr lang="de-DE" dirty="0"/>
+          </a:p>
+        </p:txBody>
+      </p:sp>
+      <p:sp>
+        <p:nvSpPr>
+          <p:cNvPr id="7" name="Datumsplatzhalter 6"/>
           <p:cNvSpPr>
             <a:spLocks noGrp="1"/>
           </p:cNvSpPr>
@@ -1161,18 +1172,17 @@
           <a:bodyPr/>
           <a:lstStyle/>
           <a:p>
-            <a:fld id="{1C72BD4E-61B2-40A3-A75C-5FDEDE8E5EC5}" type="datetime1">
-              <a:rPr lang="de-DE" smtClean="0"/>
-              <a:pPr/>
-              <a:t>11.06.2015</a:t>
+            <a:fld id="{296000BE-0612-4D88-A1AC-FF1287139C2E}" type="datetime1">
+              <a:rPr lang="de-DE" smtClean="0"/>
+              <a:t>17.06.2015</a:t>
             </a:fld>
-            <a:endParaRPr lang="de-DE"/>
-          </a:p>
-        </p:txBody>
-      </p:sp>
-      <p:sp>
-        <p:nvSpPr>
-          <p:cNvPr id="5" name="Fußzeilenplatzhalter 4"/>
+            <a:endParaRPr lang="de-DE" dirty="0"/>
+          </a:p>
+        </p:txBody>
+      </p:sp>
+      <p:sp>
+        <p:nvSpPr>
+          <p:cNvPr id="8" name="Fußzeilenplatzhalter 7"/>
           <p:cNvSpPr>
             <a:spLocks noGrp="1"/>
           </p:cNvSpPr>
@@ -1189,13 +1199,13 @@
               <a:rPr lang="de-DE" smtClean="0"/>
               <a:t>FM-Synthese</a:t>
             </a:r>
-            <a:endParaRPr lang="de-DE"/>
-          </a:p>
-        </p:txBody>
-      </p:sp>
-      <p:sp>
-        <p:nvSpPr>
-          <p:cNvPr id="6" name="Foliennummernplatzhalter 5"/>
+            <a:endParaRPr lang="de-DE" dirty="0"/>
+          </a:p>
+        </p:txBody>
+      </p:sp>
+      <p:sp>
+        <p:nvSpPr>
+          <p:cNvPr id="9" name="Foliennummernplatzhalter 8"/>
           <p:cNvSpPr>
             <a:spLocks noGrp="1"/>
           </p:cNvSpPr>
@@ -1208,11 +1218,14 @@
           <a:bodyPr/>
           <a:lstStyle/>
           <a:p>
-            <a:fld id="{6C6AE60A-B69C-4790-82F7-3882EDF23186}" type="slidenum">
-              <a:rPr lang="de-DE" smtClean="0"/>
-              <a:pPr/>
+            <a:fld id="{8740CB20-F870-467D-84CE-AB32061190A1}" type="slidenum">
+              <a:rPr lang="en-US" smtClean="0"/>
               <a:t>‹Nr.›</a:t>
             </a:fld>
+            <a:r>
+              <a:rPr lang="de-DE" smtClean="0"/>
+              <a:t>   </a:t>
+            </a:r>
             <a:endParaRPr lang="de-DE" dirty="0"/>
           </a:p>
         </p:txBody>
@@ -1222,6 +1235,13 @@
   <p:clrMapOvr>
     <a:masterClrMapping/>
   </p:clrMapOvr>
+  <p:timing>
+    <p:tnLst>
+      <p:par>
+        <p:cTn id="1" dur="indefinite" restart="never" nodeType="tmRoot"/>
+      </p:par>
+    </p:tnLst>
+  </p:timing>
 </p:sldLayout>
 </file>
 
@@ -1267,10 +1287,10 @@
           </a:lstStyle>
           <a:p>
             <a:r>
-              <a:rPr lang="de-DE" smtClean="0"/>
+              <a:rPr lang="de-DE" dirty="0" smtClean="0"/>
               <a:t>Titelmasterformat durch Klicken bearbeiten</a:t>
             </a:r>
-            <a:endParaRPr lang="de-DE"/>
+            <a:endParaRPr lang="de-DE" dirty="0"/>
           </a:p>
         </p:txBody>
       </p:sp>
@@ -1387,7 +1407,7 @@
           <a:p>
             <a:pPr lvl="0"/>
             <a:r>
-              <a:rPr lang="de-DE" smtClean="0"/>
+              <a:rPr lang="de-DE" dirty="0" smtClean="0"/>
               <a:t>Textmasterformate durch Klicken bearbeiten</a:t>
             </a:r>
           </a:p>
@@ -1408,10 +1428,9 @@
           <a:bodyPr/>
           <a:lstStyle/>
           <a:p>
-            <a:fld id="{48E855D6-EEBE-45BF-8BB5-776601FA5085}" type="datetime1">
-              <a:rPr lang="de-DE" smtClean="0"/>
-              <a:pPr/>
-              <a:t>11.06.2015</a:t>
+            <a:fld id="{C80D71F6-99A2-4718-B360-65885A8D0927}" type="datetime1">
+              <a:rPr lang="de-DE" smtClean="0"/>
+              <a:t>17.06.2015</a:t>
             </a:fld>
             <a:endParaRPr lang="de-DE"/>
           </a:p>
@@ -1469,6 +1488,13 @@
   <p:clrMapOvr>
     <a:masterClrMapping/>
   </p:clrMapOvr>
+  <p:timing>
+    <p:tnLst>
+      <p:par>
+        <p:cTn id="1" dur="indefinite" restart="never" nodeType="tmRoot"/>
+      </p:par>
+    </p:tnLst>
+  </p:timing>
 </p:sldLayout>
 </file>
 
@@ -1505,10 +1531,10 @@
           <a:lstStyle/>
           <a:p>
             <a:r>
-              <a:rPr lang="de-DE" smtClean="0"/>
+              <a:rPr lang="de-DE" dirty="0" smtClean="0"/>
               <a:t>Titelmasterformat durch Klicken bearbeiten</a:t>
             </a:r>
-            <a:endParaRPr lang="de-DE"/>
+            <a:endParaRPr lang="de-DE" dirty="0"/>
           </a:p>
         </p:txBody>
       </p:sp>
@@ -1562,38 +1588,38 @@
           <a:p>
             <a:pPr lvl="0"/>
             <a:r>
-              <a:rPr lang="de-DE" smtClean="0"/>
+              <a:rPr lang="de-DE" dirty="0" smtClean="0"/>
               <a:t>Textmasterformate durch Klicken bearbeiten</a:t>
             </a:r>
           </a:p>
           <a:p>
             <a:pPr lvl="1"/>
             <a:r>
-              <a:rPr lang="de-DE" smtClean="0"/>
+              <a:rPr lang="de-DE" dirty="0" smtClean="0"/>
               <a:t>Zweite Ebene</a:t>
             </a:r>
           </a:p>
           <a:p>
             <a:pPr lvl="2"/>
             <a:r>
-              <a:rPr lang="de-DE" smtClean="0"/>
+              <a:rPr lang="de-DE" dirty="0" smtClean="0"/>
               <a:t>Dritte Ebene</a:t>
             </a:r>
           </a:p>
           <a:p>
             <a:pPr lvl="3"/>
             <a:r>
-              <a:rPr lang="de-DE" smtClean="0"/>
+              <a:rPr lang="de-DE" dirty="0" smtClean="0"/>
               <a:t>Vierte Ebene</a:t>
             </a:r>
           </a:p>
           <a:p>
             <a:pPr lvl="4"/>
             <a:r>
-              <a:rPr lang="de-DE" smtClean="0"/>
+              <a:rPr lang="de-DE" dirty="0" smtClean="0"/>
               <a:t>Fünfte Ebene</a:t>
             </a:r>
-            <a:endParaRPr lang="de-DE"/>
+            <a:endParaRPr lang="de-DE" dirty="0"/>
           </a:p>
         </p:txBody>
       </p:sp>
@@ -1647,38 +1673,38 @@
           <a:p>
             <a:pPr lvl="0"/>
             <a:r>
-              <a:rPr lang="de-DE" smtClean="0"/>
+              <a:rPr lang="de-DE" dirty="0" smtClean="0"/>
               <a:t>Textmasterformate durch Klicken bearbeiten</a:t>
             </a:r>
           </a:p>
           <a:p>
             <a:pPr lvl="1"/>
             <a:r>
-              <a:rPr lang="de-DE" smtClean="0"/>
+              <a:rPr lang="de-DE" dirty="0" smtClean="0"/>
               <a:t>Zweite Ebene</a:t>
             </a:r>
           </a:p>
           <a:p>
             <a:pPr lvl="2"/>
             <a:r>
-              <a:rPr lang="de-DE" smtClean="0"/>
+              <a:rPr lang="de-DE" dirty="0" smtClean="0"/>
               <a:t>Dritte Ebene</a:t>
             </a:r>
           </a:p>
           <a:p>
             <a:pPr lvl="3"/>
             <a:r>
-              <a:rPr lang="de-DE" smtClean="0"/>
+              <a:rPr lang="de-DE" dirty="0" smtClean="0"/>
               <a:t>Vierte Ebene</a:t>
             </a:r>
           </a:p>
           <a:p>
             <a:pPr lvl="4"/>
             <a:r>
-              <a:rPr lang="de-DE" smtClean="0"/>
+              <a:rPr lang="de-DE" dirty="0" smtClean="0"/>
               <a:t>Fünfte Ebene</a:t>
             </a:r>
-            <a:endParaRPr lang="de-DE"/>
+            <a:endParaRPr lang="de-DE" dirty="0"/>
           </a:p>
         </p:txBody>
       </p:sp>
@@ -1697,10 +1723,9 @@
           <a:bodyPr/>
           <a:lstStyle/>
           <a:p>
-            <a:fld id="{EF380378-A65B-4494-A5A7-886B50CB4937}" type="datetime1">
-              <a:rPr lang="de-DE" smtClean="0"/>
-              <a:pPr/>
-              <a:t>11.06.2015</a:t>
+            <a:fld id="{29DA34F2-331A-4BAF-BC0B-E5952E369A92}" type="datetime1">
+              <a:rPr lang="de-DE" smtClean="0"/>
+              <a:t>17.06.2015</a:t>
             </a:fld>
             <a:endParaRPr lang="de-DE"/>
           </a:p>
@@ -1758,6 +1783,13 @@
   <p:clrMapOvr>
     <a:masterClrMapping/>
   </p:clrMapOvr>
+  <p:timing>
+    <p:tnLst>
+      <p:par>
+        <p:cTn id="1" dur="indefinite" restart="never" nodeType="tmRoot"/>
+      </p:par>
+    </p:tnLst>
+  </p:timing>
 </p:sldLayout>
 </file>
 
@@ -1798,10 +1830,10 @@
           </a:lstStyle>
           <a:p>
             <a:r>
-              <a:rPr lang="de-DE" smtClean="0"/>
+              <a:rPr lang="de-DE" dirty="0" smtClean="0"/>
               <a:t>Titelmasterformat durch Klicken bearbeiten</a:t>
             </a:r>
-            <a:endParaRPr lang="de-DE"/>
+            <a:endParaRPr lang="de-DE" dirty="0"/>
           </a:p>
         </p:txBody>
       </p:sp>
@@ -1864,7 +1896,7 @@
           <a:p>
             <a:pPr lvl="0"/>
             <a:r>
-              <a:rPr lang="de-DE" smtClean="0"/>
+              <a:rPr lang="de-DE" dirty="0" smtClean="0"/>
               <a:t>Textmasterformate durch Klicken bearbeiten</a:t>
             </a:r>
           </a:p>
@@ -1920,38 +1952,38 @@
           <a:p>
             <a:pPr lvl="0"/>
             <a:r>
-              <a:rPr lang="de-DE" smtClean="0"/>
+              <a:rPr lang="de-DE" dirty="0" smtClean="0"/>
               <a:t>Textmasterformate durch Klicken bearbeiten</a:t>
             </a:r>
           </a:p>
           <a:p>
             <a:pPr lvl="1"/>
             <a:r>
-              <a:rPr lang="de-DE" smtClean="0"/>
+              <a:rPr lang="de-DE" dirty="0" smtClean="0"/>
               <a:t>Zweite Ebene</a:t>
             </a:r>
           </a:p>
           <a:p>
             <a:pPr lvl="2"/>
             <a:r>
-              <a:rPr lang="de-DE" smtClean="0"/>
+              <a:rPr lang="de-DE" dirty="0" smtClean="0"/>
               <a:t>Dritte Ebene</a:t>
             </a:r>
           </a:p>
           <a:p>
             <a:pPr lvl="3"/>
             <a:r>
-              <a:rPr lang="de-DE" smtClean="0"/>
+              <a:rPr lang="de-DE" dirty="0" smtClean="0"/>
               <a:t>Vierte Ebene</a:t>
             </a:r>
           </a:p>
           <a:p>
             <a:pPr lvl="4"/>
             <a:r>
-              <a:rPr lang="de-DE" smtClean="0"/>
+              <a:rPr lang="de-DE" dirty="0" smtClean="0"/>
               <a:t>Fünfte Ebene</a:t>
             </a:r>
-            <a:endParaRPr lang="de-DE"/>
+            <a:endParaRPr lang="de-DE" dirty="0"/>
           </a:p>
         </p:txBody>
       </p:sp>
@@ -2014,7 +2046,7 @@
           <a:p>
             <a:pPr lvl="0"/>
             <a:r>
-              <a:rPr lang="de-DE" smtClean="0"/>
+              <a:rPr lang="de-DE" dirty="0" smtClean="0"/>
               <a:t>Textmasterformate durch Klicken bearbeiten</a:t>
             </a:r>
           </a:p>
@@ -2070,38 +2102,38 @@
           <a:p>
             <a:pPr lvl="0"/>
             <a:r>
-              <a:rPr lang="de-DE" smtClean="0"/>
+              <a:rPr lang="de-DE" dirty="0" smtClean="0"/>
               <a:t>Textmasterformate durch Klicken bearbeiten</a:t>
             </a:r>
           </a:p>
           <a:p>
             <a:pPr lvl="1"/>
             <a:r>
-              <a:rPr lang="de-DE" smtClean="0"/>
+              <a:rPr lang="de-DE" dirty="0" smtClean="0"/>
               <a:t>Zweite Ebene</a:t>
             </a:r>
           </a:p>
           <a:p>
             <a:pPr lvl="2"/>
             <a:r>
-              <a:rPr lang="de-DE" smtClean="0"/>
+              <a:rPr lang="de-DE" dirty="0" smtClean="0"/>
               <a:t>Dritte Ebene</a:t>
             </a:r>
           </a:p>
           <a:p>
             <a:pPr lvl="3"/>
             <a:r>
-              <a:rPr lang="de-DE" smtClean="0"/>
+              <a:rPr lang="de-DE" dirty="0" smtClean="0"/>
               <a:t>Vierte Ebene</a:t>
             </a:r>
           </a:p>
           <a:p>
             <a:pPr lvl="4"/>
             <a:r>
-              <a:rPr lang="de-DE" smtClean="0"/>
+              <a:rPr lang="de-DE" dirty="0" smtClean="0"/>
               <a:t>Fünfte Ebene</a:t>
             </a:r>
-            <a:endParaRPr lang="de-DE"/>
+            <a:endParaRPr lang="de-DE" dirty="0"/>
           </a:p>
         </p:txBody>
       </p:sp>
@@ -2120,10 +2152,9 @@
           <a:bodyPr/>
           <a:lstStyle/>
           <a:p>
-            <a:fld id="{BF9B2ACF-C63C-45AF-B5D6-56753CCBEEC7}" type="datetime1">
-              <a:rPr lang="de-DE" smtClean="0"/>
-              <a:pPr/>
-              <a:t>11.06.2015</a:t>
+            <a:fld id="{6E10866E-AA72-4753-8ABE-452D5C085871}" type="datetime1">
+              <a:rPr lang="de-DE" smtClean="0"/>
+              <a:t>17.06.2015</a:t>
             </a:fld>
             <a:endParaRPr lang="de-DE"/>
           </a:p>
@@ -2181,6 +2212,13 @@
   <p:clrMapOvr>
     <a:masterClrMapping/>
   </p:clrMapOvr>
+  <p:timing>
+    <p:tnLst>
+      <p:par>
+        <p:cTn id="1" dur="indefinite" restart="never" nodeType="tmRoot"/>
+      </p:par>
+    </p:tnLst>
+  </p:timing>
 </p:sldLayout>
 </file>
 
@@ -2217,10 +2255,10 @@
           <a:lstStyle/>
           <a:p>
             <a:r>
-              <a:rPr lang="de-DE" smtClean="0"/>
+              <a:rPr lang="de-DE" dirty="0" smtClean="0"/>
               <a:t>Titelmasterformat durch Klicken bearbeiten</a:t>
             </a:r>
-            <a:endParaRPr lang="de-DE"/>
+            <a:endParaRPr lang="de-DE" dirty="0"/>
           </a:p>
         </p:txBody>
       </p:sp>
@@ -2239,10 +2277,9 @@
           <a:bodyPr/>
           <a:lstStyle/>
           <a:p>
-            <a:fld id="{782C60A8-75F3-45EE-8F68-824804B9A36B}" type="datetime1">
-              <a:rPr lang="de-DE" smtClean="0"/>
-              <a:pPr/>
-              <a:t>11.06.2015</a:t>
+            <a:fld id="{A782DF66-3609-46AF-9A5C-DF0EDD34A7DB}" type="datetime1">
+              <a:rPr lang="de-DE" smtClean="0"/>
+              <a:t>17.06.2015</a:t>
             </a:fld>
             <a:endParaRPr lang="de-DE"/>
           </a:p>
@@ -2335,10 +2372,9 @@
           <a:bodyPr/>
           <a:lstStyle/>
           <a:p>
-            <a:fld id="{AC76AE4E-B847-44C0-9E80-FADAC514238D}" type="datetime1">
-              <a:rPr lang="de-DE" smtClean="0"/>
-              <a:pPr/>
-              <a:t>11.06.2015</a:t>
+            <a:fld id="{D9A33BE7-191D-4D84-96A8-D32FBF7D1E60}" type="datetime1">
+              <a:rPr lang="de-DE" smtClean="0"/>
+              <a:t>17.06.2015</a:t>
             </a:fld>
             <a:endParaRPr lang="de-DE"/>
           </a:p>
@@ -2441,10 +2477,10 @@
           </a:lstStyle>
           <a:p>
             <a:r>
-              <a:rPr lang="de-DE" smtClean="0"/>
+              <a:rPr lang="de-DE" dirty="0" smtClean="0"/>
               <a:t>Titelmasterformat durch Klicken bearbeiten</a:t>
             </a:r>
-            <a:endParaRPr lang="de-DE"/>
+            <a:endParaRPr lang="de-DE" dirty="0"/>
           </a:p>
         </p:txBody>
       </p:sp>
@@ -2498,38 +2534,38 @@
           <a:p>
             <a:pPr lvl="0"/>
             <a:r>
-              <a:rPr lang="de-DE" smtClean="0"/>
+              <a:rPr lang="de-DE" dirty="0" smtClean="0"/>
               <a:t>Textmasterformate durch Klicken bearbeiten</a:t>
             </a:r>
           </a:p>
           <a:p>
             <a:pPr lvl="1"/>
             <a:r>
-              <a:rPr lang="de-DE" smtClean="0"/>
+              <a:rPr lang="de-DE" dirty="0" smtClean="0"/>
               <a:t>Zweite Ebene</a:t>
             </a:r>
           </a:p>
           <a:p>
             <a:pPr lvl="2"/>
             <a:r>
-              <a:rPr lang="de-DE" smtClean="0"/>
+              <a:rPr lang="de-DE" dirty="0" smtClean="0"/>
               <a:t>Dritte Ebene</a:t>
             </a:r>
           </a:p>
           <a:p>
             <a:pPr lvl="3"/>
             <a:r>
-              <a:rPr lang="de-DE" smtClean="0"/>
+              <a:rPr lang="de-DE" dirty="0" smtClean="0"/>
               <a:t>Vierte Ebene</a:t>
             </a:r>
           </a:p>
           <a:p>
             <a:pPr lvl="4"/>
             <a:r>
-              <a:rPr lang="de-DE" smtClean="0"/>
+              <a:rPr lang="de-DE" dirty="0" smtClean="0"/>
               <a:t>Fünfte Ebene</a:t>
             </a:r>
-            <a:endParaRPr lang="de-DE"/>
+            <a:endParaRPr lang="de-DE" dirty="0"/>
           </a:p>
         </p:txBody>
       </p:sp>
@@ -2592,7 +2628,7 @@
           <a:p>
             <a:pPr lvl="0"/>
             <a:r>
-              <a:rPr lang="de-DE" smtClean="0"/>
+              <a:rPr lang="de-DE" dirty="0" smtClean="0"/>
               <a:t>Textmasterformate durch Klicken bearbeiten</a:t>
             </a:r>
           </a:p>
@@ -2613,10 +2649,9 @@
           <a:bodyPr/>
           <a:lstStyle/>
           <a:p>
-            <a:fld id="{93EB1BC4-DA1F-4C44-8E36-1B9FD72AD58E}" type="datetime1">
-              <a:rPr lang="de-DE" smtClean="0"/>
-              <a:pPr/>
-              <a:t>11.06.2015</a:t>
+            <a:fld id="{B525E46A-CAE0-47F8-9D57-934823E6F137}" type="datetime1">
+              <a:rPr lang="de-DE" smtClean="0"/>
+              <a:t>17.06.2015</a:t>
             </a:fld>
             <a:endParaRPr lang="de-DE"/>
           </a:p>
@@ -2867,10 +2902,9 @@
           <a:bodyPr/>
           <a:lstStyle/>
           <a:p>
-            <a:fld id="{E23DD280-69E3-4A3C-8762-77BE68C0FDBF}" type="datetime1">
-              <a:rPr lang="de-DE" smtClean="0"/>
-              <a:pPr/>
-              <a:t>11.06.2015</a:t>
+            <a:fld id="{A77F82AC-1FA4-4A3F-9E15-2C049775FF58}" type="datetime1">
+              <a:rPr lang="de-DE" smtClean="0"/>
+              <a:t>17.06.2015</a:t>
             </a:fld>
             <a:endParaRPr lang="de-DE"/>
           </a:p>
@@ -2974,7 +3008,7 @@
         </p:spPr>
         <p:txBody>
           <a:bodyPr vert="horz" lIns="91440" tIns="45720" rIns="91440" bIns="45720" rtlCol="0" anchor="ctr">
-            <a:normAutofit/>
+            <a:noAutofit/>
           </a:bodyPr>
           <a:lstStyle/>
           <a:p>
@@ -3081,10 +3115,9 @@
             </a:lvl1pPr>
           </a:lstStyle>
           <a:p>
-            <a:fld id="{A1830189-BAB1-4688-8766-4D2AC2DF7C33}" type="datetime1">
-              <a:rPr lang="de-DE" smtClean="0"/>
-              <a:pPr/>
-              <a:t>11.06.2015</a:t>
+            <a:fld id="{296000BE-0612-4D88-A1AC-FF1287139C2E}" type="datetime1">
+              <a:rPr lang="de-DE" smtClean="0"/>
+              <a:t>17.06.2015</a:t>
             </a:fld>
             <a:endParaRPr lang="de-DE" dirty="0"/>
           </a:p>
@@ -3219,6 +3252,13 @@
     <p:sldLayoutId id="2147483658" r:id="rId10"/>
     <p:sldLayoutId id="2147483659" r:id="rId11"/>
   </p:sldLayoutIdLst>
+  <p:timing>
+    <p:tnLst>
+      <p:par>
+        <p:cTn id="1" dur="indefinite" restart="never" nodeType="tmRoot"/>
+      </p:par>
+    </p:tnLst>
+  </p:timing>
   <p:hf hdr="0"/>
   <p:txStyles>
     <p:titleStyle>
@@ -3227,11 +3267,11 @@
           <a:spcPct val="0"/>
         </a:spcBef>
         <a:buNone/>
-        <a:defRPr sz="4400" kern="1200">
+        <a:defRPr sz="3600" kern="1200">
           <a:solidFill>
             <a:schemeClr val="tx1"/>
           </a:solidFill>
-          <a:latin typeface="+mj-lt"/>
+          <a:latin typeface="Lato" panose="020F0502020204030203" pitchFamily="34" charset="0"/>
           <a:ea typeface="+mj-ea"/>
           <a:cs typeface="+mj-cs"/>
         </a:defRPr>
@@ -3244,11 +3284,11 @@
         </a:spcBef>
         <a:buFont typeface="Arial" pitchFamily="34" charset="0"/>
         <a:buChar char="•"/>
-        <a:defRPr sz="3200" kern="1200">
+        <a:defRPr sz="2800" kern="1200">
           <a:solidFill>
             <a:schemeClr val="tx1"/>
           </a:solidFill>
-          <a:latin typeface="+mn-lt"/>
+          <a:latin typeface="Lato" panose="020F0502020204030203" pitchFamily="34" charset="0"/>
           <a:ea typeface="+mn-ea"/>
           <a:cs typeface="+mn-cs"/>
         </a:defRPr>
@@ -3259,11 +3299,11 @@
         </a:spcBef>
         <a:buFont typeface="Arial" pitchFamily="34" charset="0"/>
         <a:buChar char="–"/>
-        <a:defRPr sz="2800" kern="1200">
+        <a:defRPr sz="2000" kern="1200">
           <a:solidFill>
             <a:schemeClr val="tx1"/>
           </a:solidFill>
-          <a:latin typeface="+mn-lt"/>
+          <a:latin typeface="Lato" panose="020F0502020204030203" pitchFamily="34" charset="0"/>
           <a:ea typeface="+mn-ea"/>
           <a:cs typeface="+mn-cs"/>
         </a:defRPr>
@@ -3274,11 +3314,11 @@
         </a:spcBef>
         <a:buFont typeface="Arial" pitchFamily="34" charset="0"/>
         <a:buChar char="•"/>
-        <a:defRPr sz="2400" kern="1200">
+        <a:defRPr sz="1600" kern="1200">
           <a:solidFill>
             <a:schemeClr val="tx1"/>
           </a:solidFill>
-          <a:latin typeface="+mn-lt"/>
+          <a:latin typeface="Lato" panose="020F0502020204030203" pitchFamily="34" charset="0"/>
           <a:ea typeface="+mn-ea"/>
           <a:cs typeface="+mn-cs"/>
         </a:defRPr>
@@ -3289,11 +3329,11 @@
         </a:spcBef>
         <a:buFont typeface="Arial" pitchFamily="34" charset="0"/>
         <a:buChar char="–"/>
-        <a:defRPr sz="2000" kern="1200">
+        <a:defRPr sz="1400" kern="1200">
           <a:solidFill>
             <a:schemeClr val="tx1"/>
           </a:solidFill>
-          <a:latin typeface="+mn-lt"/>
+          <a:latin typeface="Lato" panose="020F0502020204030203" pitchFamily="34" charset="0"/>
           <a:ea typeface="+mn-ea"/>
           <a:cs typeface="+mn-cs"/>
         </a:defRPr>
@@ -3304,11 +3344,11 @@
         </a:spcBef>
         <a:buFont typeface="Arial" pitchFamily="34" charset="0"/>
         <a:buChar char="»"/>
-        <a:defRPr sz="2000" kern="1200">
+        <a:defRPr sz="1400" kern="1200">
           <a:solidFill>
             <a:schemeClr val="tx1"/>
           </a:solidFill>
-          <a:latin typeface="+mn-lt"/>
+          <a:latin typeface="Lato" panose="020F0502020204030203" pitchFamily="34" charset="0"/>
           <a:ea typeface="+mn-ea"/>
           <a:cs typeface="+mn-cs"/>
         </a:defRPr>
@@ -3492,6 +3532,86 @@
       </p:grpSpPr>
       <p:sp>
         <p:nvSpPr>
+          <p:cNvPr id="16" name="Untertitel 15"/>
+          <p:cNvSpPr>
+            <a:spLocks noGrp="1"/>
+          </p:cNvSpPr>
+          <p:nvPr>
+            <p:ph type="subTitle" idx="1"/>
+          </p:nvPr>
+        </p:nvSpPr>
+        <p:spPr/>
+        <p:txBody>
+          <a:bodyPr/>
+          <a:lstStyle/>
+          <a:p>
+            <a:endParaRPr lang="en-US"/>
+          </a:p>
+        </p:txBody>
+      </p:sp>
+      <p:sp>
+        <p:nvSpPr>
+          <p:cNvPr id="15" name="Titel 14"/>
+          <p:cNvSpPr>
+            <a:spLocks noGrp="1"/>
+          </p:cNvSpPr>
+          <p:nvPr>
+            <p:ph type="title"/>
+          </p:nvPr>
+        </p:nvSpPr>
+        <p:spPr>
+          <a:xfrm>
+            <a:off x="457200" y="1779662"/>
+            <a:ext cx="8229600" cy="857250"/>
+          </a:xfrm>
+        </p:spPr>
+        <p:txBody>
+          <a:bodyPr/>
+          <a:lstStyle/>
+          <a:p>
+            <a:endParaRPr lang="en-US"/>
+          </a:p>
+        </p:txBody>
+      </p:sp>
+    </p:spTree>
+    <p:extLst>
+      <p:ext uri="{BB962C8B-B14F-4D97-AF65-F5344CB8AC3E}">
+        <p14:creationId xmlns:p14="http://schemas.microsoft.com/office/powerpoint/2010/main" val="2108295798"/>
+      </p:ext>
+    </p:extLst>
+  </p:cSld>
+  <p:clrMapOvr>
+    <a:masterClrMapping/>
+  </p:clrMapOvr>
+  <p:timing>
+    <p:tnLst>
+      <p:par>
+        <p:cTn id="1" dur="indefinite" restart="never" nodeType="tmRoot"/>
+      </p:par>
+    </p:tnLst>
+  </p:timing>
+</p:sld>
+</file>
+
+<file path=ppt/slides/slide2.xml><?xml version="1.0" encoding="utf-8"?>
+<p:sld xmlns:a="http://schemas.openxmlformats.org/drawingml/2006/main" xmlns:r="http://schemas.openxmlformats.org/officeDocument/2006/relationships" xmlns:p="http://schemas.openxmlformats.org/presentationml/2006/main">
+  <p:cSld>
+    <p:spTree>
+      <p:nvGrpSpPr>
+        <p:cNvPr id="1" name=""/>
+        <p:cNvGrpSpPr/>
+        <p:nvPr/>
+      </p:nvGrpSpPr>
+      <p:grpSpPr>
+        <a:xfrm>
+          <a:off x="0" y="0"/>
+          <a:ext cx="0" cy="0"/>
+          <a:chOff x="0" y="0"/>
+          <a:chExt cx="0" cy="0"/>
+        </a:xfrm>
+      </p:grpSpPr>
+      <p:sp>
+        <p:nvSpPr>
           <p:cNvPr id="2" name="Titel 1"/>
           <p:cNvSpPr>
             <a:spLocks noGrp="1"/>
@@ -3538,15 +3658,19 @@
             <p:ph type="dt" sz="half" idx="10"/>
           </p:nvPr>
         </p:nvSpPr>
-        <p:spPr/>
-        <p:txBody>
-          <a:bodyPr/>
-          <a:lstStyle/>
-          <a:p>
-            <a:fld id="{1C72BD4E-61B2-40A3-A75C-5FDEDE8E5EC5}" type="datetime1">
-              <a:rPr lang="de-DE" smtClean="0"/>
-              <a:pPr/>
-              <a:t>11.06.2015</a:t>
+        <p:spPr>
+          <a:xfrm>
+            <a:off x="6588224" y="4876006"/>
+            <a:ext cx="2133600" cy="273844"/>
+          </a:xfrm>
+        </p:spPr>
+        <p:txBody>
+          <a:bodyPr/>
+          <a:lstStyle/>
+          <a:p>
+            <a:fld id="{ADBF581A-36B1-4C7D-8A13-2529E78B81D4}" type="datetime1">
+              <a:rPr lang="de-DE" smtClean="0"/>
+              <a:t>17.06.2015</a:t>
             </a:fld>
             <a:endParaRPr lang="de-DE"/>
           </a:p>
@@ -3562,7 +3686,12 @@
             <p:ph type="ftr" sz="quarter" idx="11"/>
           </p:nvPr>
         </p:nvSpPr>
-        <p:spPr/>
+        <p:spPr>
+          <a:xfrm>
+            <a:off x="3131840" y="4876006"/>
+            <a:ext cx="2895600" cy="273844"/>
+          </a:xfrm>
+        </p:spPr>
         <p:txBody>
           <a:bodyPr/>
           <a:lstStyle/>
@@ -3585,7 +3714,12 @@
             <p:ph type="sldNum" sz="quarter" idx="12"/>
           </p:nvPr>
         </p:nvSpPr>
-        <p:spPr/>
+        <p:spPr>
+          <a:xfrm>
+            <a:off x="0" y="4869656"/>
+            <a:ext cx="467544" cy="273844"/>
+          </a:xfrm>
+        </p:spPr>
         <p:txBody>
           <a:bodyPr/>
           <a:lstStyle/>
@@ -3593,7 +3727,7 @@
             <a:fld id="{6C6AE60A-B69C-4790-82F7-3882EDF23186}" type="slidenum">
               <a:rPr lang="de-DE" smtClean="0"/>
               <a:pPr/>
-              <a:t>1</a:t>
+              <a:t>2</a:t>
             </a:fld>
             <a:endParaRPr lang="de-DE" dirty="0"/>
           </a:p>
@@ -3604,6 +3738,13 @@
   <p:clrMapOvr>
     <a:masterClrMapping/>
   </p:clrMapOvr>
+  <p:timing>
+    <p:tnLst>
+      <p:par>
+        <p:cTn id="1" dur="indefinite" restart="never" nodeType="tmRoot"/>
+      </p:par>
+    </p:tnLst>
+  </p:timing>
 </p:sld>
 </file>
 
@@ -3612,7 +3753,7 @@
   <a:themeElements>
     <a:clrScheme name="Larissa">
       <a:dk1>
-        <a:sysClr val="windowText" lastClr="000000"/>
+        <a:sysClr val="windowText" lastClr="2A2A2A"/>
       </a:dk1>
       <a:lt1>
         <a:sysClr val="window" lastClr="FFFFFF"/>
@@ -3895,7 +4036,7 @@
   <a:themeElements>
     <a:clrScheme name="Larissa">
       <a:dk1>
-        <a:sysClr val="windowText" lastClr="000000"/>
+        <a:sysClr val="windowText" lastClr="2A2A2A"/>
       </a:dk1>
       <a:lt1>
         <a:sysClr val="window" lastClr="FFFFFF"/>

--- a/Praesentation/FMSynthese-Vorlage.pptx
+++ b/Praesentation/FMSynthese-Vorlage.pptx
@@ -3789,74 +3789,16 @@
         <a:srgbClr val="800080"/>
       </a:folHlink>
     </a:clrScheme>
-    <a:fontScheme name="Larissa">
+    <a:fontScheme name="Lato">
       <a:majorFont>
-        <a:latin typeface="Calibri"/>
+        <a:latin typeface="Lato"/>
         <a:ea typeface=""/>
         <a:cs typeface=""/>
-        <a:font script="Jpan" typeface="ＭＳ Ｐゴシック"/>
-        <a:font script="Hang" typeface="맑은 고딕"/>
-        <a:font script="Hans" typeface="宋体"/>
-        <a:font script="Hant" typeface="新細明體"/>
-        <a:font script="Arab" typeface="Times New Roman"/>
-        <a:font script="Hebr" typeface="Times New Roman"/>
-        <a:font script="Thai" typeface="Angsana New"/>
-        <a:font script="Ethi" typeface="Nyala"/>
-        <a:font script="Beng" typeface="Vrinda"/>
-        <a:font script="Gujr" typeface="Shruti"/>
-        <a:font script="Khmr" typeface="MoolBoran"/>
-        <a:font script="Knda" typeface="Tunga"/>
-        <a:font script="Guru" typeface="Raavi"/>
-        <a:font script="Cans" typeface="Euphemia"/>
-        <a:font script="Cher" typeface="Plantagenet Cherokee"/>
-        <a:font script="Yiii" typeface="Microsoft Yi Baiti"/>
-        <a:font script="Tibt" typeface="Microsoft Himalaya"/>
-        <a:font script="Thaa" typeface="MV Boli"/>
-        <a:font script="Deva" typeface="Mangal"/>
-        <a:font script="Telu" typeface="Gautami"/>
-        <a:font script="Taml" typeface="Latha"/>
-        <a:font script="Syrc" typeface="Estrangelo Edessa"/>
-        <a:font script="Orya" typeface="Kalinga"/>
-        <a:font script="Mlym" typeface="Kartika"/>
-        <a:font script="Laoo" typeface="DokChampa"/>
-        <a:font script="Sinh" typeface="Iskoola Pota"/>
-        <a:font script="Mong" typeface="Mongolian Baiti"/>
-        <a:font script="Viet" typeface="Times New Roman"/>
-        <a:font script="Uigh" typeface="Microsoft Uighur"/>
       </a:majorFont>
       <a:minorFont>
-        <a:latin typeface="Calibri"/>
+        <a:latin typeface="Lato"/>
         <a:ea typeface=""/>
         <a:cs typeface=""/>
-        <a:font script="Jpan" typeface="ＭＳ Ｐゴシック"/>
-        <a:font script="Hang" typeface="맑은 고딕"/>
-        <a:font script="Hans" typeface="宋体"/>
-        <a:font script="Hant" typeface="新細明體"/>
-        <a:font script="Arab" typeface="Arial"/>
-        <a:font script="Hebr" typeface="Arial"/>
-        <a:font script="Thai" typeface="Cordia New"/>
-        <a:font script="Ethi" typeface="Nyala"/>
-        <a:font script="Beng" typeface="Vrinda"/>
-        <a:font script="Gujr" typeface="Shruti"/>
-        <a:font script="Khmr" typeface="DaunPenh"/>
-        <a:font script="Knda" typeface="Tunga"/>
-        <a:font script="Guru" typeface="Raavi"/>
-        <a:font script="Cans" typeface="Euphemia"/>
-        <a:font script="Cher" typeface="Plantagenet Cherokee"/>
-        <a:font script="Yiii" typeface="Microsoft Yi Baiti"/>
-        <a:font script="Tibt" typeface="Microsoft Himalaya"/>
-        <a:font script="Thaa" typeface="MV Boli"/>
-        <a:font script="Deva" typeface="Mangal"/>
-        <a:font script="Telu" typeface="Gautami"/>
-        <a:font script="Taml" typeface="Latha"/>
-        <a:font script="Syrc" typeface="Estrangelo Edessa"/>
-        <a:font script="Orya" typeface="Kalinga"/>
-        <a:font script="Mlym" typeface="Kartika"/>
-        <a:font script="Laoo" typeface="DokChampa"/>
-        <a:font script="Sinh" typeface="Iskoola Pota"/>
-        <a:font script="Mong" typeface="Mongolian Baiti"/>
-        <a:font script="Viet" typeface="Arial"/>
-        <a:font script="Uigh" typeface="Microsoft Uighur"/>
       </a:minorFont>
     </a:fontScheme>
     <a:fmtScheme name="Larissa">

--- a/Praesentation/FMSynthese-Vorlage.pptx
+++ b/Praesentation/FMSynthese-Vorlage.pptx
@@ -386,7 +386,7 @@
             <a:fld id="{B162E40F-E87F-4C0D-9DAF-92DD7B84B6D5}" type="slidenum">
               <a:rPr lang="de-DE" smtClean="0"/>
               <a:pPr/>
-              <a:t>‹Nr.›</a:t>
+              <a:t>‹#›</a:t>
             </a:fld>
             <a:endParaRPr lang="de-DE"/>
           </a:p>
@@ -520,7 +520,7 @@
           </p:cNvPicPr>
           <p:nvPr userDrawn="1"/>
         </p:nvPicPr>
-        <p:blipFill>
+        <p:blipFill rotWithShape="1">
           <a:blip r:embed="rId2" cstate="print">
             <a:extLst>
               <a:ext uri="{28A0092B-C50C-407E-A947-70E740481C1C}">
@@ -528,14 +528,13 @@
               </a:ext>
             </a:extLst>
           </a:blip>
-          <a:stretch>
-            <a:fillRect/>
-          </a:stretch>
+          <a:srcRect r="33768"/>
+          <a:stretch/>
         </p:blipFill>
         <p:spPr>
           <a:xfrm>
             <a:off x="0" y="4155926"/>
-            <a:ext cx="13861032" cy="918071"/>
+            <a:ext cx="9180512" cy="918071"/>
           </a:xfrm>
           <a:prstGeom prst="rect">
             <a:avLst/>
@@ -863,7 +862,7 @@
             <a:fld id="{6C6AE60A-B69C-4790-82F7-3882EDF23186}" type="slidenum">
               <a:rPr lang="de-DE" smtClean="0"/>
               <a:pPr/>
-              <a:t>‹Nr.›</a:t>
+              <a:t>‹#›</a:t>
             </a:fld>
             <a:endParaRPr lang="de-DE"/>
           </a:p>
@@ -1043,7 +1042,7 @@
             <a:fld id="{6C6AE60A-B69C-4790-82F7-3882EDF23186}" type="slidenum">
               <a:rPr lang="de-DE" smtClean="0"/>
               <a:pPr/>
-              <a:t>‹Nr.›</a:t>
+              <a:t>‹#›</a:t>
             </a:fld>
             <a:endParaRPr lang="de-DE"/>
           </a:p>
@@ -1220,7 +1219,7 @@
           <a:p>
             <a:fld id="{8740CB20-F870-467D-84CE-AB32061190A1}" type="slidenum">
               <a:rPr lang="en-US" smtClean="0"/>
-              <a:t>‹Nr.›</a:t>
+              <a:t>‹#›</a:t>
             </a:fld>
             <a:r>
               <a:rPr lang="de-DE" smtClean="0"/>
@@ -1477,7 +1476,7 @@
             <a:fld id="{6C6AE60A-B69C-4790-82F7-3882EDF23186}" type="slidenum">
               <a:rPr lang="de-DE" smtClean="0"/>
               <a:pPr/>
-              <a:t>‹Nr.›</a:t>
+              <a:t>‹#›</a:t>
             </a:fld>
             <a:endParaRPr lang="de-DE"/>
           </a:p>
@@ -1772,7 +1771,7 @@
             <a:fld id="{6C6AE60A-B69C-4790-82F7-3882EDF23186}" type="slidenum">
               <a:rPr lang="de-DE" smtClean="0"/>
               <a:pPr/>
-              <a:t>‹Nr.›</a:t>
+              <a:t>‹#›</a:t>
             </a:fld>
             <a:endParaRPr lang="de-DE"/>
           </a:p>
@@ -2201,7 +2200,7 @@
             <a:fld id="{6C6AE60A-B69C-4790-82F7-3882EDF23186}" type="slidenum">
               <a:rPr lang="de-DE" smtClean="0"/>
               <a:pPr/>
-              <a:t>‹Nr.›</a:t>
+              <a:t>‹#›</a:t>
             </a:fld>
             <a:endParaRPr lang="de-DE"/>
           </a:p>
@@ -2326,7 +2325,7 @@
             <a:fld id="{6C6AE60A-B69C-4790-82F7-3882EDF23186}" type="slidenum">
               <a:rPr lang="de-DE" smtClean="0"/>
               <a:pPr/>
-              <a:t>‹Nr.›</a:t>
+              <a:t>‹#›</a:t>
             </a:fld>
             <a:endParaRPr lang="de-DE"/>
           </a:p>
@@ -2421,7 +2420,7 @@
             <a:fld id="{6C6AE60A-B69C-4790-82F7-3882EDF23186}" type="slidenum">
               <a:rPr lang="de-DE" smtClean="0"/>
               <a:pPr/>
-              <a:t>‹Nr.›</a:t>
+              <a:t>‹#›</a:t>
             </a:fld>
             <a:endParaRPr lang="de-DE"/>
           </a:p>
@@ -2698,7 +2697,7 @@
             <a:fld id="{6C6AE60A-B69C-4790-82F7-3882EDF23186}" type="slidenum">
               <a:rPr lang="de-DE" smtClean="0"/>
               <a:pPr/>
-              <a:t>‹Nr.›</a:t>
+              <a:t>‹#›</a:t>
             </a:fld>
             <a:endParaRPr lang="de-DE"/>
           </a:p>
@@ -2951,7 +2950,7 @@
             <a:fld id="{6C6AE60A-B69C-4790-82F7-3882EDF23186}" type="slidenum">
               <a:rPr lang="de-DE" smtClean="0"/>
               <a:pPr/>
-              <a:t>‹Nr.›</a:t>
+              <a:t>‹#›</a:t>
             </a:fld>
             <a:endParaRPr lang="de-DE"/>
           </a:p>
@@ -3200,7 +3199,7 @@
             <a:fld id="{6C6AE60A-B69C-4790-82F7-3882EDF23186}" type="slidenum">
               <a:rPr lang="de-DE" smtClean="0"/>
               <a:pPr/>
-              <a:t>‹Nr.›</a:t>
+              <a:t>‹#›</a:t>
             </a:fld>
             <a:r>
               <a:rPr lang="de-DE" dirty="0" smtClean="0"/>
@@ -3218,17 +3217,15 @@
           </p:cNvPicPr>
           <p:nvPr userDrawn="1"/>
         </p:nvPicPr>
-        <p:blipFill>
+        <p:blipFill rotWithShape="1">
           <a:blip r:embed="rId13" cstate="print"/>
-          <a:srcRect r="9219"/>
-          <a:stretch>
-            <a:fillRect/>
-          </a:stretch>
+          <a:srcRect r="33483"/>
+          <a:stretch/>
         </p:blipFill>
         <p:spPr bwMode="auto">
           <a:xfrm>
             <a:off x="0" y="4160995"/>
-            <a:ext cx="12529392" cy="918071"/>
+            <a:ext cx="9180512" cy="918071"/>
           </a:xfrm>
           <a:prstGeom prst="rect">
             <a:avLst/>
@@ -3545,7 +3542,7 @@
           <a:bodyPr/>
           <a:lstStyle/>
           <a:p>
-            <a:endParaRPr lang="en-US"/>
+            <a:endParaRPr lang="en-US" dirty="0"/>
           </a:p>
         </p:txBody>
       </p:sp>
@@ -3753,7 +3750,7 @@
   <a:themeElements>
     <a:clrScheme name="Larissa">
       <a:dk1>
-        <a:sysClr val="windowText" lastClr="2A2A2A"/>
+        <a:sysClr val="windowText" lastClr="000000"/>
       </a:dk1>
       <a:lt1>
         <a:sysClr val="window" lastClr="FFFFFF"/>
@@ -3978,7 +3975,7 @@
   <a:themeElements>
     <a:clrScheme name="Larissa">
       <a:dk1>
-        <a:sysClr val="windowText" lastClr="2A2A2A"/>
+        <a:sysClr val="windowText" lastClr="000000"/>
       </a:dk1>
       <a:lt1>
         <a:sysClr val="window" lastClr="FFFFFF"/>
